--- a/Diagram/StateDiagram Transition Numbering.pptx
+++ b/Diagram/StateDiagram Transition Numbering.pptx
@@ -5,7 +5,7 @@
     <p:sldMasterId id="2147483648" r:id="rId1"/>
   </p:sldMasterIdLst>
   <p:sldIdLst>
-    <p:sldId id="257" r:id="rId2"/>
+    <p:sldId id="259" r:id="rId2"/>
   </p:sldIdLst>
   <p:sldSz cx="9144000" cy="6858000" type="screen4x3"/>
   <p:notesSz cx="6858000" cy="9144000"/>
@@ -288,7 +288,7 @@
           <a:p>
             <a:fld id="{CC88235E-3C23-4CBD-A78F-E8F8D2562B04}" type="datetimeFigureOut">
               <a:rPr lang="ko-KR" altLang="en-US" smtClean="0"/>
-              <a:t>2016-02-02</a:t>
+              <a:t>2016-02-04</a:t>
             </a:fld>
             <a:endParaRPr lang="ko-KR" altLang="en-US"/>
           </a:p>
@@ -458,7 +458,7 @@
           <a:p>
             <a:fld id="{CC88235E-3C23-4CBD-A78F-E8F8D2562B04}" type="datetimeFigureOut">
               <a:rPr lang="ko-KR" altLang="en-US" smtClean="0"/>
-              <a:t>2016-02-02</a:t>
+              <a:t>2016-02-04</a:t>
             </a:fld>
             <a:endParaRPr lang="ko-KR" altLang="en-US"/>
           </a:p>
@@ -638,7 +638,7 @@
           <a:p>
             <a:fld id="{CC88235E-3C23-4CBD-A78F-E8F8D2562B04}" type="datetimeFigureOut">
               <a:rPr lang="ko-KR" altLang="en-US" smtClean="0"/>
-              <a:t>2016-02-02</a:t>
+              <a:t>2016-02-04</a:t>
             </a:fld>
             <a:endParaRPr lang="ko-KR" altLang="en-US"/>
           </a:p>
@@ -808,7 +808,7 @@
           <a:p>
             <a:fld id="{CC88235E-3C23-4CBD-A78F-E8F8D2562B04}" type="datetimeFigureOut">
               <a:rPr lang="ko-KR" altLang="en-US" smtClean="0"/>
-              <a:t>2016-02-02</a:t>
+              <a:t>2016-02-04</a:t>
             </a:fld>
             <a:endParaRPr lang="ko-KR" altLang="en-US"/>
           </a:p>
@@ -1054,7 +1054,7 @@
           <a:p>
             <a:fld id="{CC88235E-3C23-4CBD-A78F-E8F8D2562B04}" type="datetimeFigureOut">
               <a:rPr lang="ko-KR" altLang="en-US" smtClean="0"/>
-              <a:t>2016-02-02</a:t>
+              <a:t>2016-02-04</a:t>
             </a:fld>
             <a:endParaRPr lang="ko-KR" altLang="en-US"/>
           </a:p>
@@ -1342,7 +1342,7 @@
           <a:p>
             <a:fld id="{CC88235E-3C23-4CBD-A78F-E8F8D2562B04}" type="datetimeFigureOut">
               <a:rPr lang="ko-KR" altLang="en-US" smtClean="0"/>
-              <a:t>2016-02-02</a:t>
+              <a:t>2016-02-04</a:t>
             </a:fld>
             <a:endParaRPr lang="ko-KR" altLang="en-US"/>
           </a:p>
@@ -1764,7 +1764,7 @@
           <a:p>
             <a:fld id="{CC88235E-3C23-4CBD-A78F-E8F8D2562B04}" type="datetimeFigureOut">
               <a:rPr lang="ko-KR" altLang="en-US" smtClean="0"/>
-              <a:t>2016-02-02</a:t>
+              <a:t>2016-02-04</a:t>
             </a:fld>
             <a:endParaRPr lang="ko-KR" altLang="en-US"/>
           </a:p>
@@ -1882,7 +1882,7 @@
           <a:p>
             <a:fld id="{CC88235E-3C23-4CBD-A78F-E8F8D2562B04}" type="datetimeFigureOut">
               <a:rPr lang="ko-KR" altLang="en-US" smtClean="0"/>
-              <a:t>2016-02-02</a:t>
+              <a:t>2016-02-04</a:t>
             </a:fld>
             <a:endParaRPr lang="ko-KR" altLang="en-US"/>
           </a:p>
@@ -1977,7 +1977,7 @@
           <a:p>
             <a:fld id="{CC88235E-3C23-4CBD-A78F-E8F8D2562B04}" type="datetimeFigureOut">
               <a:rPr lang="ko-KR" altLang="en-US" smtClean="0"/>
-              <a:t>2016-02-02</a:t>
+              <a:t>2016-02-04</a:t>
             </a:fld>
             <a:endParaRPr lang="ko-KR" altLang="en-US"/>
           </a:p>
@@ -2254,7 +2254,7 @@
           <a:p>
             <a:fld id="{CC88235E-3C23-4CBD-A78F-E8F8D2562B04}" type="datetimeFigureOut">
               <a:rPr lang="ko-KR" altLang="en-US" smtClean="0"/>
-              <a:t>2016-02-02</a:t>
+              <a:t>2016-02-04</a:t>
             </a:fld>
             <a:endParaRPr lang="ko-KR" altLang="en-US"/>
           </a:p>
@@ -2507,7 +2507,7 @@
           <a:p>
             <a:fld id="{CC88235E-3C23-4CBD-A78F-E8F8D2562B04}" type="datetimeFigureOut">
               <a:rPr lang="ko-KR" altLang="en-US" smtClean="0"/>
-              <a:t>2016-02-02</a:t>
+              <a:t>2016-02-04</a:t>
             </a:fld>
             <a:endParaRPr lang="ko-KR" altLang="en-US"/>
           </a:p>
@@ -2720,7 +2720,7 @@
           <a:p>
             <a:fld id="{CC88235E-3C23-4CBD-A78F-E8F8D2562B04}" type="datetimeFigureOut">
               <a:rPr lang="ko-KR" altLang="en-US" smtClean="0"/>
-              <a:t>2016-02-02</a:t>
+              <a:t>2016-02-04</a:t>
             </a:fld>
             <a:endParaRPr lang="ko-KR" altLang="en-US"/>
           </a:p>
@@ -3097,7 +3097,7 @@
       </p:grpSpPr>
       <p:pic>
         <p:nvPicPr>
-          <p:cNvPr id="1030" name="Picture 6"/>
+          <p:cNvPr id="1026" name="Picture 2"/>
           <p:cNvPicPr>
             <a:picLocks noChangeAspect="1" noChangeArrowheads="1"/>
           </p:cNvPicPr>
@@ -3118,8 +3118,8 @@
         </p:blipFill>
         <p:spPr bwMode="auto">
           <a:xfrm>
-            <a:off x="962025" y="61913"/>
-            <a:ext cx="7219950" cy="6734175"/>
+            <a:off x="909638" y="180975"/>
+            <a:ext cx="7324725" cy="6496050"/>
           </a:xfrm>
           <a:prstGeom prst="rect">
             <a:avLst/>
@@ -3161,13 +3161,13 @@
       </p:pic>
       <p:sp>
         <p:nvSpPr>
-          <p:cNvPr id="4" name="순서도: 연결자 3"/>
+          <p:cNvPr id="5" name="순서도: 연결자 4"/>
           <p:cNvSpPr/>
           <p:nvPr/>
         </p:nvSpPr>
         <p:spPr>
           <a:xfrm>
-            <a:off x="5568820" y="648059"/>
+            <a:off x="5220173" y="186077"/>
             <a:ext cx="288032" cy="288032"/>
           </a:xfrm>
           <a:prstGeom prst="flowChartConnector">
@@ -3205,13 +3205,13 @@
       </p:sp>
       <p:sp>
         <p:nvSpPr>
-          <p:cNvPr id="9" name="순서도: 연결자 8"/>
+          <p:cNvPr id="6" name="순서도: 연결자 5"/>
           <p:cNvSpPr/>
           <p:nvPr/>
         </p:nvSpPr>
         <p:spPr>
           <a:xfrm>
-            <a:off x="5826875" y="1434467"/>
+            <a:off x="5274379" y="1435276"/>
             <a:ext cx="288032" cy="288032"/>
           </a:xfrm>
           <a:prstGeom prst="flowChartConnector">
@@ -3249,13 +3249,13 @@
       </p:sp>
       <p:sp>
         <p:nvSpPr>
-          <p:cNvPr id="10" name="순서도: 연결자 9"/>
+          <p:cNvPr id="7" name="순서도: 연결자 6"/>
           <p:cNvSpPr/>
           <p:nvPr/>
         </p:nvSpPr>
         <p:spPr>
           <a:xfrm>
-            <a:off x="3631116" y="1268760"/>
+            <a:off x="3447069" y="1326424"/>
             <a:ext cx="288032" cy="288032"/>
           </a:xfrm>
           <a:prstGeom prst="flowChartConnector">
@@ -3293,13 +3293,13 @@
       </p:sp>
       <p:sp>
         <p:nvSpPr>
-          <p:cNvPr id="11" name="순서도: 연결자 10"/>
+          <p:cNvPr id="8" name="순서도: 연결자 7"/>
           <p:cNvSpPr/>
           <p:nvPr/>
         </p:nvSpPr>
         <p:spPr>
           <a:xfrm>
-            <a:off x="6164806" y="2099690"/>
+            <a:off x="3114289" y="3023846"/>
             <a:ext cx="288032" cy="288032"/>
           </a:xfrm>
           <a:prstGeom prst="flowChartConnector">
@@ -3337,13 +3337,13 @@
       </p:sp>
       <p:sp>
         <p:nvSpPr>
-          <p:cNvPr id="12" name="순서도: 연결자 11"/>
+          <p:cNvPr id="9" name="순서도: 연결자 8"/>
           <p:cNvSpPr/>
           <p:nvPr/>
         </p:nvSpPr>
         <p:spPr>
           <a:xfrm>
-            <a:off x="6740870" y="3315336"/>
+            <a:off x="3916496" y="4316508"/>
             <a:ext cx="288032" cy="288032"/>
           </a:xfrm>
           <a:prstGeom prst="flowChartConnector">
@@ -3381,13 +3381,13 @@
       </p:sp>
       <p:sp>
         <p:nvSpPr>
-          <p:cNvPr id="13" name="순서도: 연결자 12"/>
+          <p:cNvPr id="10" name="순서도: 연결자 9"/>
           <p:cNvSpPr/>
           <p:nvPr/>
         </p:nvSpPr>
         <p:spPr>
           <a:xfrm>
-            <a:off x="6740870" y="3902184"/>
+            <a:off x="2373706" y="3023846"/>
             <a:ext cx="288032" cy="288032"/>
           </a:xfrm>
           <a:prstGeom prst="flowChartConnector">
@@ -3425,13 +3425,13 @@
       </p:sp>
       <p:sp>
         <p:nvSpPr>
-          <p:cNvPr id="14" name="순서도: 연결자 13"/>
+          <p:cNvPr id="11" name="순서도: 연결자 10"/>
           <p:cNvSpPr/>
           <p:nvPr/>
         </p:nvSpPr>
         <p:spPr>
           <a:xfrm>
-            <a:off x="4788024" y="4221088"/>
+            <a:off x="3151019" y="5448429"/>
             <a:ext cx="288032" cy="288032"/>
           </a:xfrm>
           <a:prstGeom prst="flowChartConnector">
@@ -3469,13 +3469,13 @@
       </p:sp>
       <p:sp>
         <p:nvSpPr>
-          <p:cNvPr id="15" name="순서도: 연결자 14"/>
+          <p:cNvPr id="12" name="순서도: 연결자 11"/>
           <p:cNvSpPr/>
           <p:nvPr/>
         </p:nvSpPr>
         <p:spPr>
           <a:xfrm>
-            <a:off x="5712836" y="4577646"/>
+            <a:off x="2571624" y="6032914"/>
             <a:ext cx="288032" cy="288032"/>
           </a:xfrm>
           <a:prstGeom prst="flowChartConnector">
@@ -3513,13 +3513,13 @@
       </p:sp>
       <p:sp>
         <p:nvSpPr>
-          <p:cNvPr id="16" name="순서도: 연결자 15"/>
+          <p:cNvPr id="13" name="순서도: 연결자 12"/>
           <p:cNvSpPr/>
           <p:nvPr/>
         </p:nvSpPr>
         <p:spPr>
           <a:xfrm>
-            <a:off x="5758021" y="5921290"/>
+            <a:off x="7227618" y="2306604"/>
             <a:ext cx="288032" cy="288032"/>
           </a:xfrm>
           <a:prstGeom prst="flowChartConnector">
@@ -3557,13 +3557,13 @@
       </p:sp>
       <p:sp>
         <p:nvSpPr>
-          <p:cNvPr id="17" name="순서도: 연결자 16"/>
+          <p:cNvPr id="14" name="순서도: 연결자 13"/>
           <p:cNvSpPr/>
           <p:nvPr/>
         </p:nvSpPr>
         <p:spPr>
           <a:xfrm>
-            <a:off x="6164806" y="5067200"/>
+            <a:off x="7083602" y="3167862"/>
             <a:ext cx="576064" cy="360040"/>
           </a:xfrm>
           <a:prstGeom prst="flowChartConnector">
@@ -3601,13 +3601,13 @@
       </p:sp>
       <p:sp>
         <p:nvSpPr>
-          <p:cNvPr id="18" name="순서도: 연결자 17"/>
+          <p:cNvPr id="15" name="순서도: 연결자 14"/>
           <p:cNvSpPr/>
           <p:nvPr/>
         </p:nvSpPr>
         <p:spPr>
           <a:xfrm>
-            <a:off x="7227618" y="5009694"/>
+            <a:off x="4932141" y="3599910"/>
             <a:ext cx="576064" cy="360040"/>
           </a:xfrm>
           <a:prstGeom prst="flowChartConnector">
@@ -3643,23 +3643,236 @@
           </a:p>
         </p:txBody>
       </p:sp>
+      <p:sp>
+        <p:nvSpPr>
+          <p:cNvPr id="16" name="순서도: 연결자 15"/>
+          <p:cNvSpPr/>
+          <p:nvPr/>
+        </p:nvSpPr>
+        <p:spPr>
+          <a:xfrm>
+            <a:off x="5391686" y="4460524"/>
+            <a:ext cx="576064" cy="360040"/>
+          </a:xfrm>
+          <a:prstGeom prst="flowChartConnector">
+            <a:avLst/>
+          </a:prstGeom>
+        </p:spPr>
+        <p:style>
+          <a:lnRef idx="2">
+            <a:schemeClr val="accent1">
+              <a:shade val="50000"/>
+            </a:schemeClr>
+          </a:lnRef>
+          <a:fillRef idx="1">
+            <a:schemeClr val="accent1"/>
+          </a:fillRef>
+          <a:effectRef idx="0">
+            <a:schemeClr val="accent1"/>
+          </a:effectRef>
+          <a:fontRef idx="minor">
+            <a:schemeClr val="lt1"/>
+          </a:fontRef>
+        </p:style>
+        <p:txBody>
+          <a:bodyPr rtlCol="0" anchor="ctr"/>
+          <a:lstStyle/>
+          <a:p>
+            <a:pPr algn="ctr"/>
+            <a:r>
+              <a:rPr lang="en-US" altLang="ko-KR" sz="1400" dirty="0" smtClean="0"/>
+              <a:t>12</a:t>
+            </a:r>
+            <a:endParaRPr lang="ko-KR" altLang="en-US" sz="1400" dirty="0"/>
+          </a:p>
+        </p:txBody>
+      </p:sp>
+      <p:sp>
+        <p:nvSpPr>
+          <p:cNvPr id="17" name="순서도: 연결자 16"/>
+          <p:cNvSpPr/>
+          <p:nvPr/>
+        </p:nvSpPr>
+        <p:spPr>
+          <a:xfrm>
+            <a:off x="5338585" y="5810106"/>
+            <a:ext cx="576064" cy="360040"/>
+          </a:xfrm>
+          <a:prstGeom prst="flowChartConnector">
+            <a:avLst/>
+          </a:prstGeom>
+        </p:spPr>
+        <p:style>
+          <a:lnRef idx="2">
+            <a:schemeClr val="accent1">
+              <a:shade val="50000"/>
+            </a:schemeClr>
+          </a:lnRef>
+          <a:fillRef idx="1">
+            <a:schemeClr val="accent1"/>
+          </a:fillRef>
+          <a:effectRef idx="0">
+            <a:schemeClr val="accent1"/>
+          </a:effectRef>
+          <a:fontRef idx="minor">
+            <a:schemeClr val="lt1"/>
+          </a:fontRef>
+        </p:style>
+        <p:txBody>
+          <a:bodyPr rtlCol="0" anchor="ctr"/>
+          <a:lstStyle/>
+          <a:p>
+            <a:pPr algn="ctr"/>
+            <a:r>
+              <a:rPr lang="en-US" altLang="ko-KR" sz="1400" dirty="0" smtClean="0"/>
+              <a:t>13</a:t>
+            </a:r>
+            <a:endParaRPr lang="ko-KR" altLang="en-US" sz="1400" dirty="0"/>
+          </a:p>
+        </p:txBody>
+      </p:sp>
+      <p:sp>
+        <p:nvSpPr>
+          <p:cNvPr id="18" name="순서도: 연결자 17"/>
+          <p:cNvSpPr/>
+          <p:nvPr/>
+        </p:nvSpPr>
+        <p:spPr>
+          <a:xfrm>
+            <a:off x="6060681" y="5088389"/>
+            <a:ext cx="576064" cy="360040"/>
+          </a:xfrm>
+          <a:prstGeom prst="flowChartConnector">
+            <a:avLst/>
+          </a:prstGeom>
+        </p:spPr>
+        <p:style>
+          <a:lnRef idx="2">
+            <a:schemeClr val="accent1">
+              <a:shade val="50000"/>
+            </a:schemeClr>
+          </a:lnRef>
+          <a:fillRef idx="1">
+            <a:schemeClr val="accent1"/>
+          </a:fillRef>
+          <a:effectRef idx="0">
+            <a:schemeClr val="accent1"/>
+          </a:effectRef>
+          <a:fontRef idx="minor">
+            <a:schemeClr val="lt1"/>
+          </a:fontRef>
+        </p:style>
+        <p:txBody>
+          <a:bodyPr rtlCol="0" anchor="ctr"/>
+          <a:lstStyle/>
+          <a:p>
+            <a:pPr algn="ctr"/>
+            <a:r>
+              <a:rPr lang="en-US" altLang="ko-KR" sz="1400" dirty="0" smtClean="0"/>
+              <a:t>14</a:t>
+            </a:r>
+            <a:endParaRPr lang="ko-KR" altLang="en-US" sz="1400" dirty="0"/>
+          </a:p>
+        </p:txBody>
+      </p:sp>
+      <p:sp>
+        <p:nvSpPr>
+          <p:cNvPr id="19" name="순서도: 연결자 18"/>
+          <p:cNvSpPr/>
+          <p:nvPr/>
+        </p:nvSpPr>
+        <p:spPr>
+          <a:xfrm>
+            <a:off x="6921003" y="5088389"/>
+            <a:ext cx="576064" cy="360040"/>
+          </a:xfrm>
+          <a:prstGeom prst="flowChartConnector">
+            <a:avLst/>
+          </a:prstGeom>
+        </p:spPr>
+        <p:style>
+          <a:lnRef idx="2">
+            <a:schemeClr val="accent1">
+              <a:shade val="50000"/>
+            </a:schemeClr>
+          </a:lnRef>
+          <a:fillRef idx="1">
+            <a:schemeClr val="accent1"/>
+          </a:fillRef>
+          <a:effectRef idx="0">
+            <a:schemeClr val="accent1"/>
+          </a:effectRef>
+          <a:fontRef idx="minor">
+            <a:schemeClr val="lt1"/>
+          </a:fontRef>
+        </p:style>
+        <p:txBody>
+          <a:bodyPr rtlCol="0" anchor="ctr"/>
+          <a:lstStyle/>
+          <a:p>
+            <a:pPr algn="ctr"/>
+            <a:r>
+              <a:rPr lang="en-US" altLang="ko-KR" sz="1400" dirty="0" smtClean="0"/>
+              <a:t>15</a:t>
+            </a:r>
+            <a:endParaRPr lang="ko-KR" altLang="en-US" sz="1400" dirty="0"/>
+          </a:p>
+        </p:txBody>
+      </p:sp>
+      <p:sp>
+        <p:nvSpPr>
+          <p:cNvPr id="20" name="순서도: 연결자 19"/>
+          <p:cNvSpPr/>
+          <p:nvPr/>
+        </p:nvSpPr>
+        <p:spPr>
+          <a:xfrm>
+            <a:off x="7536152" y="1072398"/>
+            <a:ext cx="576064" cy="360040"/>
+          </a:xfrm>
+          <a:prstGeom prst="flowChartConnector">
+            <a:avLst/>
+          </a:prstGeom>
+        </p:spPr>
+        <p:style>
+          <a:lnRef idx="2">
+            <a:schemeClr val="accent1">
+              <a:shade val="50000"/>
+            </a:schemeClr>
+          </a:lnRef>
+          <a:fillRef idx="1">
+            <a:schemeClr val="accent1"/>
+          </a:fillRef>
+          <a:effectRef idx="0">
+            <a:schemeClr val="accent1"/>
+          </a:effectRef>
+          <a:fontRef idx="minor">
+            <a:schemeClr val="lt1"/>
+          </a:fontRef>
+        </p:style>
+        <p:txBody>
+          <a:bodyPr rtlCol="0" anchor="ctr"/>
+          <a:lstStyle/>
+          <a:p>
+            <a:pPr algn="ctr"/>
+            <a:r>
+              <a:rPr lang="en-US" altLang="ko-KR" sz="1400" dirty="0" smtClean="0"/>
+              <a:t>16</a:t>
+            </a:r>
+            <a:endParaRPr lang="ko-KR" altLang="en-US" sz="1400" dirty="0"/>
+          </a:p>
+        </p:txBody>
+      </p:sp>
     </p:spTree>
     <p:extLst>
       <p:ext uri="{BB962C8B-B14F-4D97-AF65-F5344CB8AC3E}">
-        <p14:creationId xmlns:p14="http://schemas.microsoft.com/office/powerpoint/2010/main" val="4147307280"/>
+        <p14:creationId xmlns:p14="http://schemas.microsoft.com/office/powerpoint/2010/main" val="3735534655"/>
       </p:ext>
     </p:extLst>
   </p:cSld>
   <p:clrMapOvr>
     <a:masterClrMapping/>
   </p:clrMapOvr>
-  <p:timing>
-    <p:tnLst>
-      <p:par>
-        <p:cTn id="1" dur="indefinite" restart="never" nodeType="tmRoot"/>
-      </p:par>
-    </p:tnLst>
-  </p:timing>
 </p:sld>
 </file>
 
